--- a/influencer_marketing/reports/template/template.pptx
+++ b/influencer_marketing/reports/template/template.pptx
@@ -5,12 +5,11 @@
     <p:sldMasterId id="2147483648" r:id="rId1"/>
   </p:sldMasterIdLst>
   <p:notesMasterIdLst>
-    <p:notesMasterId r:id="rId5"/>
+    <p:notesMasterId r:id="rId4"/>
   </p:notesMasterIdLst>
   <p:sldIdLst>
-    <p:sldId id="256" r:id="rId2"/>
-    <p:sldId id="257" r:id="rId3"/>
-    <p:sldId id="259" r:id="rId4"/>
+    <p:sldId id="258" r:id="rId2"/>
+    <p:sldId id="259" r:id="rId3"/>
   </p:sldIdLst>
   <p:sldSz cx="14630400" cy="8229600"/>
   <p:notesSz cx="8229600" cy="14630400"/>
@@ -142,7 +141,7 @@
     </p:spTree>
     <p:extLst>
       <p:ext uri="{BB962C8B-B14F-4D97-AF65-F5344CB8AC3E}">
-        <p14:creationId xmlns:p14="http://schemas.microsoft.com/office/powerpoint/2010/main" val="569520468"/>
+        <p14:creationId xmlns:p14="http://schemas.microsoft.com/office/powerpoint/2010/main" val="57042390"/>
       </p:ext>
     </p:extLst>
   </p:cSld>
@@ -331,90 +330,6 @@
   <p:cSld>
     <p:spTree>
       <p:nvGrpSpPr>
-        <p:cNvPr id="1" name=""/>
-        <p:cNvGrpSpPr/>
-        <p:nvPr/>
-      </p:nvGrpSpPr>
-      <p:grpSpPr>
-        <a:xfrm>
-          <a:off x="0" y="0"/>
-          <a:ext cx="0" cy="0"/>
-          <a:chOff x="0" y="0"/>
-          <a:chExt cx="0" cy="0"/>
-        </a:xfrm>
-      </p:grpSpPr>
-      <p:sp>
-        <p:nvSpPr>
-          <p:cNvPr id="2" name="Slide Image Placeholder 1"/>
-          <p:cNvSpPr>
-            <a:spLocks noGrp="1" noRot="1" noChangeAspect="1"/>
-          </p:cNvSpPr>
-          <p:nvPr>
-            <p:ph type="sldImg"/>
-          </p:nvPr>
-        </p:nvSpPr>
-        <p:spPr/>
-      </p:sp>
-      <p:sp>
-        <p:nvSpPr>
-          <p:cNvPr id="3" name="Notes Placeholder 2"/>
-          <p:cNvSpPr>
-            <a:spLocks noGrp="1"/>
-          </p:cNvSpPr>
-          <p:nvPr>
-            <p:ph type="body" idx="1"/>
-          </p:nvPr>
-        </p:nvSpPr>
-        <p:spPr/>
-        <p:txBody>
-          <a:bodyPr/>
-          <a:lstStyle/>
-          <a:p>
-            <a:endParaRPr lang="en-US" dirty="0"/>
-          </a:p>
-        </p:txBody>
-      </p:sp>
-      <p:sp>
-        <p:nvSpPr>
-          <p:cNvPr id="4" name="Slide Number Placeholder 3"/>
-          <p:cNvSpPr>
-            <a:spLocks noGrp="1"/>
-          </p:cNvSpPr>
-          <p:nvPr>
-            <p:ph type="sldNum" sz="quarter" idx="10"/>
-          </p:nvPr>
-        </p:nvSpPr>
-        <p:spPr/>
-        <p:txBody>
-          <a:bodyPr/>
-          <a:lstStyle/>
-          <a:p>
-            <a:fld id="{F7021451-1387-4CA6-816F-3879F97B5CBC}" type="slidenum">
-              <a:rPr lang="en-US"/>
-              <a:t>2</a:t>
-            </a:fld>
-            <a:endParaRPr lang="en-US"/>
-          </a:p>
-        </p:txBody>
-      </p:sp>
-    </p:spTree>
-    <p:extLst>
-      <p:ext uri="{BB962C8B-B14F-4D97-AF65-F5344CB8AC3E}">
-        <p14:creationId xmlns:p14="http://schemas.microsoft.com/office/powerpoint/2010/main" val="1024086991"/>
-      </p:ext>
-    </p:extLst>
-  </p:cSld>
-  <p:clrMapOvr>
-    <a:masterClrMapping/>
-  </p:clrMapOvr>
-</p:notes>
-</file>
-
-<file path=ppt/notesSlides/notesSlide3.xml><?xml version="1.0" encoding="utf-8"?>
-<p:notes xmlns:a="http://schemas.openxmlformats.org/drawingml/2006/main" xmlns:r="http://schemas.openxmlformats.org/officeDocument/2006/relationships" xmlns:p="http://schemas.openxmlformats.org/presentationml/2006/main">
-  <p:cSld>
-    <p:spTree>
-      <p:nvGrpSpPr>
         <p:cNvPr id="1" name="">
           <a:extLst>
             <a:ext uri="{FF2B5EF4-FFF2-40B4-BE49-F238E27FC236}">
@@ -499,7 +414,7 @@
           <a:p>
             <a:fld id="{F7021451-1387-4CA6-816F-3879F97B5CBC}" type="slidenum">
               <a:rPr lang="en-US"/>
-              <a:t>3</a:t>
+              <a:t>2</a:t>
             </a:fld>
             <a:endParaRPr lang="en-US"/>
           </a:p>
@@ -551,6 +466,14 @@
 <file path=ppt/slideLayouts/slideLayout2.xml><?xml version="1.0" encoding="utf-8"?>
 <p:sldLayout xmlns:a="http://schemas.openxmlformats.org/drawingml/2006/main" xmlns:r="http://schemas.openxmlformats.org/officeDocument/2006/relationships" xmlns:p="http://schemas.openxmlformats.org/presentationml/2006/main" preserve="1">
   <p:cSld name="Slide 1 master">
+    <p:bg>
+      <p:bgPr>
+        <a:solidFill>
+          <a:srgbClr val="000000"/>
+        </a:solidFill>
+        <a:effectLst/>
+      </p:bgPr>
+    </p:bg>
     <p:spTree>
       <p:nvGrpSpPr>
         <p:cNvPr id="1" name=""/>
@@ -604,104 +527,7 @@
             <a:avLst/>
           </a:prstGeom>
           <a:solidFill>
-            <a:srgbClr val="0B0C23">
-              <a:alpha val="95000"/>
-            </a:srgbClr>
-          </a:solidFill>
-          <a:ln/>
-        </p:spPr>
-      </p:sp>
-      <p:pic>
-        <p:nvPicPr>
-          <p:cNvPr id="4" name="Image 1" descr="preencoded.png">
-            <a:hlinkClick r:id="rId3"/>
-          </p:cNvPr>
-          <p:cNvPicPr>
-            <a:picLocks noChangeAspect="1"/>
-          </p:cNvPicPr>
-          <p:nvPr/>
-        </p:nvPicPr>
-        <p:blipFill>
-          <a:blip r:embed="rId4"/>
-          <a:stretch>
-            <a:fillRect/>
-          </a:stretch>
-        </p:blipFill>
-        <p:spPr>
-          <a:xfrm>
-            <a:off x="12839215" y="7749540"/>
-            <a:ext cx="1722605" cy="411480"/>
-          </a:xfrm>
-          <a:prstGeom prst="rect">
-            <a:avLst/>
-          </a:prstGeom>
-        </p:spPr>
-      </p:pic>
-    </p:spTree>
-  </p:cSld>
-  <p:clrMapOvr>
-    <a:masterClrMapping/>
-  </p:clrMapOvr>
-</p:sldLayout>
-</file>
-
-<file path=ppt/slideLayouts/slideLayout3.xml><?xml version="1.0" encoding="utf-8"?>
-<p:sldLayout xmlns:a="http://schemas.openxmlformats.org/drawingml/2006/main" xmlns:r="http://schemas.openxmlformats.org/officeDocument/2006/relationships" xmlns:p="http://schemas.openxmlformats.org/presentationml/2006/main" preserve="1">
-  <p:cSld name="Slide 2 master">
-    <p:spTree>
-      <p:nvGrpSpPr>
-        <p:cNvPr id="1" name=""/>
-        <p:cNvGrpSpPr/>
-        <p:nvPr/>
-      </p:nvGrpSpPr>
-      <p:grpSpPr>
-        <a:xfrm>
-          <a:off x="0" y="0"/>
-          <a:ext cx="0" cy="0"/>
-          <a:chOff x="0" y="0"/>
-          <a:chExt cx="0" cy="0"/>
-        </a:xfrm>
-      </p:grpSpPr>
-      <p:pic>
-        <p:nvPicPr>
-          <p:cNvPr id="2" name="Image 0" descr="preencoded.png"/>
-          <p:cNvPicPr>
-            <a:picLocks noChangeAspect="1"/>
-          </p:cNvPicPr>
-          <p:nvPr/>
-        </p:nvPicPr>
-        <p:blipFill>
-          <a:blip r:embed="rId2"/>
-          <a:stretch>
-            <a:fillRect/>
-          </a:stretch>
-        </p:blipFill>
-        <p:spPr>
-          <a:xfrm>
-            <a:off x="0" y="0"/>
-            <a:ext cx="14630400" cy="8229600"/>
-          </a:xfrm>
-          <a:prstGeom prst="rect">
-            <a:avLst/>
-          </a:prstGeom>
-        </p:spPr>
-      </p:pic>
-      <p:sp>
-        <p:nvSpPr>
-          <p:cNvPr id="3" name="Shape 0"/>
-          <p:cNvSpPr/>
-          <p:nvPr/>
-        </p:nvSpPr>
-        <p:spPr>
-          <a:xfrm>
-            <a:off x="0" y="0"/>
-            <a:ext cx="14630400" cy="8229600"/>
-          </a:xfrm>
-          <a:prstGeom prst="rect">
-            <a:avLst/>
-          </a:prstGeom>
-          <a:solidFill>
-            <a:srgbClr val="0B0C23">
+            <a:srgbClr val="0C0524">
               <a:alpha val="95000"/>
             </a:srgbClr>
           </a:solidFill>
@@ -770,7 +596,6 @@
   <p:sldLayoutIdLst>
     <p:sldLayoutId id="2147483649" r:id="rId1"/>
     <p:sldLayoutId id="2147483650" r:id="rId2"/>
-    <p:sldLayoutId id="2147483651" r:id="rId3"/>
   </p:sldLayoutIdLst>
   <p:hf sldNum="0" hdr="0" ftr="0" dt="0"/>
   <p:txStyles>
@@ -1028,7 +853,7 @@
 
 <file path=ppt/slides/slide1.xml><?xml version="1.0" encoding="utf-8"?>
 <p:sld xmlns:a="http://schemas.openxmlformats.org/drawingml/2006/main" xmlns:r="http://schemas.openxmlformats.org/officeDocument/2006/relationships" xmlns:p="http://schemas.openxmlformats.org/presentationml/2006/main">
-  <p:cSld name="Slide 1">
+  <p:cSld>
     <p:spTree>
       <p:nvGrpSpPr>
         <p:cNvPr id="1" name=""/>
@@ -1149,717 +974,6 @@
 </file>
 
 <file path=ppt/slides/slide2.xml><?xml version="1.0" encoding="utf-8"?>
-<p:sld xmlns:a="http://schemas.openxmlformats.org/drawingml/2006/main" xmlns:r="http://schemas.openxmlformats.org/officeDocument/2006/relationships" xmlns:p="http://schemas.openxmlformats.org/presentationml/2006/main">
-  <p:cSld name="Slide 2">
-    <p:spTree>
-      <p:nvGrpSpPr>
-        <p:cNvPr id="1" name=""/>
-        <p:cNvGrpSpPr/>
-        <p:nvPr/>
-      </p:nvGrpSpPr>
-      <p:grpSpPr>
-        <a:xfrm>
-          <a:off x="0" y="0"/>
-          <a:ext cx="0" cy="0"/>
-          <a:chOff x="0" y="0"/>
-          <a:chExt cx="0" cy="0"/>
-        </a:xfrm>
-      </p:grpSpPr>
-      <p:sp>
-        <p:nvSpPr>
-          <p:cNvPr id="2" name="Text 0"/>
-          <p:cNvSpPr/>
-          <p:nvPr/>
-        </p:nvSpPr>
-        <p:spPr>
-          <a:xfrm>
-            <a:off x="1321356" y="886420"/>
-            <a:ext cx="5486400" cy="685800"/>
-          </a:xfrm>
-          <a:prstGeom prst="rect">
-            <a:avLst/>
-          </a:prstGeom>
-          <a:noFill/>
-          <a:ln/>
-        </p:spPr>
-        <p:txBody>
-          <a:bodyPr wrap="none" lIns="0" tIns="0" rIns="0" bIns="0" rtlCol="0" anchor="t"/>
-          <a:lstStyle/>
-          <a:p>
-            <a:pPr marL="0" indent="0" algn="l">
-              <a:lnSpc>
-                <a:spcPts val="5400"/>
-              </a:lnSpc>
-              <a:buNone/>
-            </a:pPr>
-            <a:r>
-              <a:rPr lang="en-GB" sz="4300" dirty="0">
-                <a:solidFill>
-                  <a:srgbClr val="C6BFEE"/>
-                </a:solidFill>
-                <a:latin typeface="Prompt Medium" pitchFamily="34" charset="0"/>
-                <a:cs typeface="Prompt Medium" pitchFamily="34" charset="-120"/>
-              </a:rPr>
-              <a:t>{{</a:t>
-            </a:r>
-            <a:r>
-              <a:rPr lang="en-GB" sz="4300" dirty="0" err="1">
-                <a:solidFill>
-                  <a:srgbClr val="C6BFEE"/>
-                </a:solidFill>
-                <a:latin typeface="Prompt Medium" pitchFamily="34" charset="0"/>
-                <a:cs typeface="Prompt Medium" pitchFamily="34" charset="-120"/>
-              </a:rPr>
-              <a:t>influencer_handle</a:t>
-            </a:r>
-            <a:r>
-              <a:rPr lang="en-GB" sz="4300" dirty="0">
-                <a:solidFill>
-                  <a:srgbClr val="C6BFEE"/>
-                </a:solidFill>
-                <a:latin typeface="Prompt Medium" pitchFamily="34" charset="0"/>
-                <a:cs typeface="Prompt Medium" pitchFamily="34" charset="-120"/>
-              </a:rPr>
-              <a:t>}}</a:t>
-            </a:r>
-            <a:endParaRPr lang="en-US" sz="4300" dirty="0">
-              <a:solidFill>
-                <a:srgbClr val="C6BFEE"/>
-              </a:solidFill>
-              <a:latin typeface="Prompt Medium" pitchFamily="34" charset="0"/>
-              <a:cs typeface="Prompt Medium" pitchFamily="34" charset="-120"/>
-            </a:endParaRPr>
-          </a:p>
-        </p:txBody>
-      </p:sp>
-      <p:sp>
-        <p:nvSpPr>
-          <p:cNvPr id="3" name="Text 1"/>
-          <p:cNvSpPr/>
-          <p:nvPr/>
-        </p:nvSpPr>
-        <p:spPr>
-          <a:xfrm>
-            <a:off x="1321356" y="2065853"/>
-            <a:ext cx="5808702" cy="814626"/>
-          </a:xfrm>
-          <a:prstGeom prst="rect">
-            <a:avLst/>
-          </a:prstGeom>
-          <a:noFill/>
-          <a:ln/>
-        </p:spPr>
-        <p:txBody>
-          <a:bodyPr wrap="none" lIns="0" tIns="0" rIns="0" bIns="0" rtlCol="0" anchor="t"/>
-          <a:lstStyle/>
-          <a:p>
-            <a:pPr algn="ctr">
-              <a:lnSpc>
-                <a:spcPts val="6400"/>
-              </a:lnSpc>
-            </a:pPr>
-            <a:r>
-              <a:rPr lang="en-GB" sz="6400" dirty="0">
-                <a:solidFill>
-                  <a:srgbClr val="DAD8E9"/>
-                </a:solidFill>
-                <a:latin typeface="Prompt Medium" pitchFamily="34" charset="0"/>
-                <a:cs typeface="Prompt Medium" pitchFamily="34" charset="-120"/>
-              </a:rPr>
-              <a:t> {{</a:t>
-            </a:r>
-            <a:r>
-              <a:rPr lang="en-GB" sz="6400" dirty="0" err="1">
-                <a:solidFill>
-                  <a:srgbClr val="DAD8E9"/>
-                </a:solidFill>
-                <a:latin typeface="Prompt Medium" pitchFamily="34" charset="0"/>
-                <a:cs typeface="Prompt Medium" pitchFamily="34" charset="-120"/>
-              </a:rPr>
-              <a:t>total_posts</a:t>
-            </a:r>
-            <a:r>
-              <a:rPr lang="en-GB" sz="6400" dirty="0">
-                <a:solidFill>
-                  <a:srgbClr val="DAD8E9"/>
-                </a:solidFill>
-                <a:latin typeface="Prompt Medium" pitchFamily="34" charset="0"/>
-                <a:cs typeface="Prompt Medium" pitchFamily="34" charset="-120"/>
-              </a:rPr>
-              <a:t>}}</a:t>
-            </a:r>
-            <a:endParaRPr lang="en-US" sz="6400" dirty="0">
-              <a:solidFill>
-                <a:srgbClr val="DAD8E9"/>
-              </a:solidFill>
-              <a:latin typeface="Prompt Medium" pitchFamily="34" charset="0"/>
-              <a:cs typeface="Prompt Medium" pitchFamily="34" charset="-120"/>
-            </a:endParaRPr>
-          </a:p>
-        </p:txBody>
-      </p:sp>
-      <p:sp>
-        <p:nvSpPr>
-          <p:cNvPr id="4" name="Text 2"/>
-          <p:cNvSpPr/>
-          <p:nvPr/>
-        </p:nvSpPr>
-        <p:spPr>
-          <a:xfrm>
-            <a:off x="2854047" y="3188970"/>
-            <a:ext cx="2743200" cy="342900"/>
-          </a:xfrm>
-          <a:prstGeom prst="rect">
-            <a:avLst/>
-          </a:prstGeom>
-          <a:noFill/>
-          <a:ln/>
-        </p:spPr>
-        <p:txBody>
-          <a:bodyPr wrap="none" lIns="0" tIns="0" rIns="0" bIns="0" rtlCol="0" anchor="t"/>
-          <a:lstStyle/>
-          <a:p>
-            <a:pPr marL="0" indent="0" algn="ctr">
-              <a:lnSpc>
-                <a:spcPts val="2700"/>
-              </a:lnSpc>
-              <a:buNone/>
-            </a:pPr>
-            <a:r>
-              <a:rPr lang="en-US" sz="2150" dirty="0">
-                <a:solidFill>
-                  <a:srgbClr val="DAD8E9"/>
-                </a:solidFill>
-                <a:latin typeface="Prompt Medium" pitchFamily="34" charset="0"/>
-                <a:ea typeface="Prompt Medium" pitchFamily="34" charset="-122"/>
-                <a:cs typeface="Prompt Medium" pitchFamily="34" charset="-120"/>
-              </a:rPr>
-              <a:t>Total Posts</a:t>
-            </a:r>
-            <a:endParaRPr lang="en-US" sz="2150" dirty="0"/>
-          </a:p>
-        </p:txBody>
-      </p:sp>
-      <p:sp>
-        <p:nvSpPr>
-          <p:cNvPr id="5" name="Text 3"/>
-          <p:cNvSpPr/>
-          <p:nvPr/>
-        </p:nvSpPr>
-        <p:spPr>
-          <a:xfrm>
-            <a:off x="1321356" y="3679984"/>
-            <a:ext cx="5808702" cy="395049"/>
-          </a:xfrm>
-          <a:prstGeom prst="rect">
-            <a:avLst/>
-          </a:prstGeom>
-          <a:noFill/>
-          <a:ln/>
-        </p:spPr>
-        <p:txBody>
-          <a:bodyPr wrap="none" lIns="0" tIns="0" rIns="0" bIns="0" rtlCol="0" anchor="t"/>
-          <a:lstStyle/>
-          <a:p>
-            <a:pPr marL="0" indent="0" algn="ctr">
-              <a:lnSpc>
-                <a:spcPts val="3100"/>
-              </a:lnSpc>
-              <a:buNone/>
-            </a:pPr>
-            <a:r>
-              <a:rPr lang="en-US" sz="1900" dirty="0">
-                <a:solidFill>
-                  <a:srgbClr val="DAD8E9"/>
-                </a:solidFill>
-                <a:latin typeface="Mukta Light" pitchFamily="34" charset="0"/>
-                <a:ea typeface="Mukta Light" pitchFamily="34" charset="-122"/>
-                <a:cs typeface="Mukta Light" pitchFamily="34" charset="-120"/>
-              </a:rPr>
-              <a:t>Number of posts by influencer</a:t>
-            </a:r>
-            <a:endParaRPr lang="en-US" sz="1900" dirty="0"/>
-          </a:p>
-        </p:txBody>
-      </p:sp>
-      <p:sp>
-        <p:nvSpPr>
-          <p:cNvPr id="6" name="Text 4"/>
-          <p:cNvSpPr/>
-          <p:nvPr/>
-        </p:nvSpPr>
-        <p:spPr>
-          <a:xfrm>
-            <a:off x="7500342" y="2065853"/>
-            <a:ext cx="5808702" cy="814626"/>
-          </a:xfrm>
-          <a:prstGeom prst="rect">
-            <a:avLst/>
-          </a:prstGeom>
-          <a:noFill/>
-          <a:ln/>
-        </p:spPr>
-        <p:txBody>
-          <a:bodyPr wrap="none" lIns="0" tIns="0" rIns="0" bIns="0" rtlCol="0" anchor="t"/>
-          <a:lstStyle/>
-          <a:p>
-            <a:pPr algn="ctr">
-              <a:lnSpc>
-                <a:spcPts val="6400"/>
-              </a:lnSpc>
-            </a:pPr>
-            <a:r>
-              <a:rPr lang="en-GB" sz="6400">
-                <a:solidFill>
-                  <a:srgbClr val="DAD8E9"/>
-                </a:solidFill>
-                <a:latin typeface="Prompt Medium" pitchFamily="34" charset="0"/>
-                <a:cs typeface="Prompt Medium" pitchFamily="34" charset="-120"/>
-              </a:rPr>
-              <a:t>{{</a:t>
-            </a:r>
-            <a:r>
-              <a:rPr lang="en-GB" sz="6400" dirty="0" err="1">
-                <a:solidFill>
-                  <a:srgbClr val="DAD8E9"/>
-                </a:solidFill>
-                <a:latin typeface="Prompt Medium" pitchFamily="34" charset="0"/>
-                <a:cs typeface="Prompt Medium" pitchFamily="34" charset="-120"/>
-              </a:rPr>
-              <a:t>total</a:t>
-            </a:r>
-            <a:r>
-              <a:rPr lang="en-GB" sz="6400" err="1">
-                <a:solidFill>
-                  <a:srgbClr val="DAD8E9"/>
-                </a:solidFill>
-                <a:latin typeface="Prompt Medium" pitchFamily="34" charset="0"/>
-                <a:cs typeface="Prompt Medium" pitchFamily="34" charset="-120"/>
-              </a:rPr>
-              <a:t>_</a:t>
-            </a:r>
-            <a:r>
-              <a:rPr lang="en-GB" sz="6400">
-                <a:solidFill>
-                  <a:srgbClr val="DAD8E9"/>
-                </a:solidFill>
-                <a:latin typeface="Prompt Medium" pitchFamily="34" charset="0"/>
-                <a:cs typeface="Prompt Medium" pitchFamily="34" charset="-120"/>
-              </a:rPr>
-              <a:t>impressions}}</a:t>
-            </a:r>
-            <a:endParaRPr lang="en-GB" sz="6400" dirty="0">
-              <a:solidFill>
-                <a:srgbClr val="DAD8E9"/>
-              </a:solidFill>
-              <a:latin typeface="Prompt Medium" pitchFamily="34" charset="0"/>
-              <a:cs typeface="Prompt Medium" pitchFamily="34" charset="-120"/>
-            </a:endParaRPr>
-          </a:p>
-        </p:txBody>
-      </p:sp>
-      <p:sp>
-        <p:nvSpPr>
-          <p:cNvPr id="7" name="Text 5"/>
-          <p:cNvSpPr/>
-          <p:nvPr/>
-        </p:nvSpPr>
-        <p:spPr>
-          <a:xfrm>
-            <a:off x="9033034" y="3188970"/>
-            <a:ext cx="2743200" cy="342900"/>
-          </a:xfrm>
-          <a:prstGeom prst="rect">
-            <a:avLst/>
-          </a:prstGeom>
-          <a:noFill/>
-          <a:ln/>
-        </p:spPr>
-        <p:txBody>
-          <a:bodyPr wrap="none" lIns="0" tIns="0" rIns="0" bIns="0" rtlCol="0" anchor="t"/>
-          <a:lstStyle/>
-          <a:p>
-            <a:pPr marL="0" indent="0" algn="ctr">
-              <a:lnSpc>
-                <a:spcPts val="2700"/>
-              </a:lnSpc>
-              <a:buNone/>
-            </a:pPr>
-            <a:r>
-              <a:rPr lang="en-US" sz="2150" dirty="0">
-                <a:solidFill>
-                  <a:srgbClr val="DAD8E9"/>
-                </a:solidFill>
-                <a:latin typeface="Prompt Medium" pitchFamily="34" charset="0"/>
-                <a:ea typeface="Prompt Medium" pitchFamily="34" charset="-122"/>
-                <a:cs typeface="Prompt Medium" pitchFamily="34" charset="-120"/>
-              </a:rPr>
-              <a:t>Total Impressions</a:t>
-            </a:r>
-            <a:endParaRPr lang="en-US" sz="2150" dirty="0"/>
-          </a:p>
-        </p:txBody>
-      </p:sp>
-      <p:sp>
-        <p:nvSpPr>
-          <p:cNvPr id="8" name="Text 6"/>
-          <p:cNvSpPr/>
-          <p:nvPr/>
-        </p:nvSpPr>
-        <p:spPr>
-          <a:xfrm>
-            <a:off x="7500342" y="3679984"/>
-            <a:ext cx="5808702" cy="395049"/>
-          </a:xfrm>
-          <a:prstGeom prst="rect">
-            <a:avLst/>
-          </a:prstGeom>
-          <a:noFill/>
-          <a:ln/>
-        </p:spPr>
-        <p:txBody>
-          <a:bodyPr wrap="none" lIns="0" tIns="0" rIns="0" bIns="0" rtlCol="0" anchor="t"/>
-          <a:lstStyle/>
-          <a:p>
-            <a:pPr marL="0" indent="0" algn="ctr">
-              <a:lnSpc>
-                <a:spcPts val="3100"/>
-              </a:lnSpc>
-              <a:buNone/>
-            </a:pPr>
-            <a:r>
-              <a:rPr lang="en-US" sz="1900" dirty="0">
-                <a:solidFill>
-                  <a:srgbClr val="DAD8E9"/>
-                </a:solidFill>
-                <a:latin typeface="Mukta Light" pitchFamily="34" charset="0"/>
-                <a:ea typeface="Mukta Light" pitchFamily="34" charset="-122"/>
-                <a:cs typeface="Mukta Light" pitchFamily="34" charset="-120"/>
-              </a:rPr>
-              <a:t>Number of times content was displayed</a:t>
-            </a:r>
-            <a:endParaRPr lang="en-US" sz="1900" dirty="0"/>
-          </a:p>
-        </p:txBody>
-      </p:sp>
-      <p:sp>
-        <p:nvSpPr>
-          <p:cNvPr id="9" name="Text 7"/>
-          <p:cNvSpPr/>
-          <p:nvPr/>
-        </p:nvSpPr>
-        <p:spPr>
-          <a:xfrm>
-            <a:off x="1321356" y="4938951"/>
-            <a:ext cx="5808702" cy="814626"/>
-          </a:xfrm>
-          <a:prstGeom prst="rect">
-            <a:avLst/>
-          </a:prstGeom>
-          <a:noFill/>
-          <a:ln/>
-        </p:spPr>
-        <p:txBody>
-          <a:bodyPr wrap="none" lIns="0" tIns="0" rIns="0" bIns="0" rtlCol="0" anchor="t"/>
-          <a:lstStyle/>
-          <a:p>
-            <a:pPr algn="ctr">
-              <a:lnSpc>
-                <a:spcPts val="6400"/>
-              </a:lnSpc>
-            </a:pPr>
-            <a:r>
-              <a:rPr lang="en-GB" sz="6400">
-                <a:solidFill>
-                  <a:srgbClr val="DAD8E9"/>
-                </a:solidFill>
-                <a:latin typeface="Prompt Medium" pitchFamily="34" charset="0"/>
-                <a:cs typeface="Prompt Medium" pitchFamily="34" charset="-120"/>
-              </a:rPr>
-              <a:t>{{</a:t>
-            </a:r>
-            <a:r>
-              <a:rPr lang="en-GB" sz="6400" dirty="0" err="1">
-                <a:solidFill>
-                  <a:srgbClr val="DAD8E9"/>
-                </a:solidFill>
-                <a:latin typeface="Prompt Medium" pitchFamily="34" charset="0"/>
-                <a:cs typeface="Prompt Medium" pitchFamily="34" charset="-120"/>
-              </a:rPr>
-              <a:t>total</a:t>
-            </a:r>
-            <a:r>
-              <a:rPr lang="en-GB" sz="6400" err="1">
-                <a:solidFill>
-                  <a:srgbClr val="DAD8E9"/>
-                </a:solidFill>
-                <a:latin typeface="Prompt Medium" pitchFamily="34" charset="0"/>
-                <a:cs typeface="Prompt Medium" pitchFamily="34" charset="-120"/>
-              </a:rPr>
-              <a:t>_</a:t>
-            </a:r>
-            <a:r>
-              <a:rPr lang="en-GB" sz="6400">
-                <a:solidFill>
-                  <a:srgbClr val="DAD8E9"/>
-                </a:solidFill>
-                <a:latin typeface="Prompt Medium" pitchFamily="34" charset="0"/>
-                <a:cs typeface="Prompt Medium" pitchFamily="34" charset="-120"/>
-              </a:rPr>
-              <a:t>reach}}</a:t>
-            </a:r>
-            <a:endParaRPr lang="en-US" sz="6400" dirty="0">
-              <a:solidFill>
-                <a:srgbClr val="DAD8E9"/>
-              </a:solidFill>
-              <a:latin typeface="Prompt Medium" pitchFamily="34" charset="0"/>
-              <a:cs typeface="Prompt Medium" pitchFamily="34" charset="-120"/>
-            </a:endParaRPr>
-          </a:p>
-        </p:txBody>
-      </p:sp>
-      <p:sp>
-        <p:nvSpPr>
-          <p:cNvPr id="10" name="Text 8"/>
-          <p:cNvSpPr/>
-          <p:nvPr/>
-        </p:nvSpPr>
-        <p:spPr>
-          <a:xfrm>
-            <a:off x="2854047" y="6062067"/>
-            <a:ext cx="2743200" cy="342900"/>
-          </a:xfrm>
-          <a:prstGeom prst="rect">
-            <a:avLst/>
-          </a:prstGeom>
-          <a:noFill/>
-          <a:ln/>
-        </p:spPr>
-        <p:txBody>
-          <a:bodyPr wrap="none" lIns="0" tIns="0" rIns="0" bIns="0" rtlCol="0" anchor="t"/>
-          <a:lstStyle/>
-          <a:p>
-            <a:pPr marL="0" indent="0" algn="ctr">
-              <a:lnSpc>
-                <a:spcPts val="2700"/>
-              </a:lnSpc>
-              <a:buNone/>
-            </a:pPr>
-            <a:r>
-              <a:rPr lang="en-US" sz="2150" dirty="0">
-                <a:solidFill>
-                  <a:srgbClr val="DAD8E9"/>
-                </a:solidFill>
-                <a:latin typeface="Prompt Medium" pitchFamily="34" charset="0"/>
-                <a:ea typeface="Prompt Medium" pitchFamily="34" charset="-122"/>
-                <a:cs typeface="Prompt Medium" pitchFamily="34" charset="-120"/>
-              </a:rPr>
-              <a:t>Total Reach</a:t>
-            </a:r>
-            <a:endParaRPr lang="en-US" sz="2150" dirty="0"/>
-          </a:p>
-        </p:txBody>
-      </p:sp>
-      <p:sp>
-        <p:nvSpPr>
-          <p:cNvPr id="11" name="Text 9"/>
-          <p:cNvSpPr/>
-          <p:nvPr/>
-        </p:nvSpPr>
-        <p:spPr>
-          <a:xfrm>
-            <a:off x="1321356" y="6553081"/>
-            <a:ext cx="5808702" cy="395049"/>
-          </a:xfrm>
-          <a:prstGeom prst="rect">
-            <a:avLst/>
-          </a:prstGeom>
-          <a:noFill/>
-          <a:ln/>
-        </p:spPr>
-        <p:txBody>
-          <a:bodyPr wrap="none" lIns="0" tIns="0" rIns="0" bIns="0" rtlCol="0" anchor="t"/>
-          <a:lstStyle/>
-          <a:p>
-            <a:pPr marL="0" indent="0" algn="ctr">
-              <a:lnSpc>
-                <a:spcPts val="3100"/>
-              </a:lnSpc>
-              <a:buNone/>
-            </a:pPr>
-            <a:r>
-              <a:rPr lang="en-US" sz="1900" dirty="0">
-                <a:solidFill>
-                  <a:srgbClr val="DAD8E9"/>
-                </a:solidFill>
-                <a:latin typeface="Mukta Light" pitchFamily="34" charset="0"/>
-                <a:ea typeface="Mukta Light" pitchFamily="34" charset="-122"/>
-                <a:cs typeface="Mukta Light" pitchFamily="34" charset="-120"/>
-              </a:rPr>
-              <a:t>The total unique viewers</a:t>
-            </a:r>
-            <a:endParaRPr lang="en-US" sz="1900" dirty="0"/>
-          </a:p>
-        </p:txBody>
-      </p:sp>
-      <p:sp>
-        <p:nvSpPr>
-          <p:cNvPr id="12" name="Text 10"/>
-          <p:cNvSpPr/>
-          <p:nvPr/>
-        </p:nvSpPr>
-        <p:spPr>
-          <a:xfrm>
-            <a:off x="7500342" y="4938951"/>
-            <a:ext cx="5808702" cy="814626"/>
-          </a:xfrm>
-          <a:prstGeom prst="rect">
-            <a:avLst/>
-          </a:prstGeom>
-        </p:spPr>
-        <p:txBody>
-          <a:bodyPr wrap="none" lIns="0" tIns="0" rIns="0" bIns="0" rtlCol="0" anchor="t"/>
-          <a:lstStyle/>
-          <a:p>
-            <a:pPr marL="0" indent="0" algn="ctr">
-              <a:lnSpc>
-                <a:spcPts val="6400"/>
-              </a:lnSpc>
-              <a:buNone/>
-            </a:pPr>
-            <a:r>
-              <a:rPr lang="en-GB" sz="6400" dirty="0">
-                <a:solidFill>
-                  <a:srgbClr val="A95B95"/>
-                </a:solidFill>
-                <a:latin typeface="Prompt Medium" pitchFamily="34" charset="0"/>
-                <a:cs typeface="Prompt Medium" pitchFamily="34" charset="-120"/>
-              </a:rPr>
-              <a:t>{{</a:t>
-            </a:r>
-            <a:r>
-              <a:rPr lang="en-GB" sz="6400" dirty="0" err="1">
-                <a:solidFill>
-                  <a:srgbClr val="A95B95"/>
-                </a:solidFill>
-                <a:latin typeface="Prompt Medium" pitchFamily="34" charset="0"/>
-                <a:cs typeface="Prompt Medium" pitchFamily="34" charset="-120"/>
-              </a:rPr>
-              <a:t>avg_engagement_rate</a:t>
-            </a:r>
-            <a:r>
-              <a:rPr lang="en-GB" sz="6400" dirty="0">
-                <a:solidFill>
-                  <a:srgbClr val="A95B95"/>
-                </a:solidFill>
-                <a:latin typeface="Prompt Medium" pitchFamily="34" charset="0"/>
-                <a:cs typeface="Prompt Medium" pitchFamily="34" charset="-120"/>
-              </a:rPr>
-              <a:t>}}</a:t>
-            </a:r>
-            <a:endParaRPr lang="en-US" sz="6400" dirty="0">
-              <a:solidFill>
-                <a:srgbClr val="A95B95"/>
-              </a:solidFill>
-              <a:latin typeface="Prompt Medium" pitchFamily="34" charset="0"/>
-              <a:cs typeface="Prompt Medium" pitchFamily="34" charset="-120"/>
-            </a:endParaRPr>
-          </a:p>
-        </p:txBody>
-      </p:sp>
-      <p:sp>
-        <p:nvSpPr>
-          <p:cNvPr id="13" name="Text 11"/>
-          <p:cNvSpPr/>
-          <p:nvPr/>
-        </p:nvSpPr>
-        <p:spPr>
-          <a:xfrm>
-            <a:off x="8880872" y="6062067"/>
-            <a:ext cx="3047524" cy="342900"/>
-          </a:xfrm>
-          <a:prstGeom prst="rect">
-            <a:avLst/>
-          </a:prstGeom>
-          <a:noFill/>
-          <a:ln/>
-        </p:spPr>
-        <p:txBody>
-          <a:bodyPr wrap="none" lIns="0" tIns="0" rIns="0" bIns="0" rtlCol="0" anchor="t"/>
-          <a:lstStyle/>
-          <a:p>
-            <a:pPr marL="0" indent="0" algn="ctr">
-              <a:lnSpc>
-                <a:spcPts val="2700"/>
-              </a:lnSpc>
-              <a:buNone/>
-            </a:pPr>
-            <a:r>
-              <a:rPr lang="en-US" sz="2150" dirty="0">
-                <a:solidFill>
-                  <a:srgbClr val="A95B95"/>
-                </a:solidFill>
-                <a:latin typeface="Prompt Medium" pitchFamily="34" charset="0"/>
-                <a:ea typeface="Prompt Medium" pitchFamily="34" charset="-122"/>
-                <a:cs typeface="Prompt Medium" pitchFamily="34" charset="-120"/>
-              </a:rPr>
-              <a:t>Avg. Engagement Rate</a:t>
-            </a:r>
-            <a:endParaRPr lang="en-US" sz="2150" dirty="0"/>
-          </a:p>
-        </p:txBody>
-      </p:sp>
-      <p:sp>
-        <p:nvSpPr>
-          <p:cNvPr id="14" name="Text 12"/>
-          <p:cNvSpPr/>
-          <p:nvPr/>
-        </p:nvSpPr>
-        <p:spPr>
-          <a:xfrm>
-            <a:off x="7500342" y="6553081"/>
-            <a:ext cx="5808702" cy="790099"/>
-          </a:xfrm>
-          <a:prstGeom prst="rect">
-            <a:avLst/>
-          </a:prstGeom>
-          <a:noFill/>
-          <a:ln/>
-        </p:spPr>
-        <p:txBody>
-          <a:bodyPr wrap="square" lIns="0" tIns="0" rIns="0" bIns="0" rtlCol="0" anchor="t"/>
-          <a:lstStyle/>
-          <a:p>
-            <a:pPr marL="0" indent="0" algn="ctr">
-              <a:lnSpc>
-                <a:spcPts val="3100"/>
-              </a:lnSpc>
-              <a:buNone/>
-            </a:pPr>
-            <a:r>
-              <a:rPr lang="en-US" sz="1900" dirty="0">
-                <a:solidFill>
-                  <a:srgbClr val="DAD8E9"/>
-                </a:solidFill>
-                <a:latin typeface="Mukta Light" pitchFamily="34" charset="0"/>
-                <a:ea typeface="Mukta Light" pitchFamily="34" charset="-122"/>
-                <a:cs typeface="Mukta Light" pitchFamily="34" charset="-120"/>
-              </a:rPr>
-              <a:t>Measure of audience interaction with the influencer's content.</a:t>
-            </a:r>
-            <a:endParaRPr lang="en-US" sz="1900" dirty="0"/>
-          </a:p>
-        </p:txBody>
-      </p:sp>
-    </p:spTree>
-  </p:cSld>
-  <p:clrMapOvr>
-    <a:masterClrMapping/>
-  </p:clrMapOvr>
-</p:sld>
-</file>
-
-<file path=ppt/slides/slide3.xml><?xml version="1.0" encoding="utf-8"?>
 <p:sld xmlns:a="http://schemas.openxmlformats.org/drawingml/2006/main" xmlns:r="http://schemas.openxmlformats.org/officeDocument/2006/relationships" xmlns:p="http://schemas.openxmlformats.org/presentationml/2006/main">
   <p:cSld>
     <p:spTree>
@@ -1911,10 +1025,7 @@
           <a:bodyPr wrap="none" lIns="0" tIns="0" rIns="0" bIns="0" rtlCol="0" anchor="t"/>
           <a:lstStyle/>
           <a:p>
-            <a:pPr marL="0" indent="0" algn="l">
-              <a:lnSpc>
-                <a:spcPts val="5850"/>
-              </a:lnSpc>
+            <a:pPr marL="0" indent="0" algn="l" hangingPunct="0">
               <a:buNone/>
             </a:pPr>
             <a:r>
@@ -1922,13 +1033,15 @@
                 <a:solidFill>
                   <a:srgbClr val="FF8AAF"/>
                 </a:solidFill>
+                <a:latin typeface="Arial" panose="020B0604020202020204" pitchFamily="34" charset="0"/>
                 <a:ea typeface="Petrona Bold" pitchFamily="34" charset="-122"/>
-                <a:cs typeface="FUTURA MEDIUM" panose="020B0602020204020303" pitchFamily="34" charset="-79"/>
+                <a:cs typeface="Arial" panose="020B0604020202020204" pitchFamily="34" charset="0"/>
               </a:rPr>
               <a:t>{{influencer}}</a:t>
             </a:r>
             <a:endParaRPr lang="en-US" sz="4650" dirty="0">
-              <a:cs typeface="Futura Medium" panose="020B0602020204020303" pitchFamily="34" charset="-79"/>
+              <a:latin typeface="Arial" panose="020B0604020202020204" pitchFamily="34" charset="0"/>
+              <a:cs typeface="Arial" panose="020B0604020202020204" pitchFamily="34" charset="0"/>
             </a:endParaRPr>
           </a:p>
         </p:txBody>
@@ -1942,7 +1055,9 @@
               </a:ext>
             </a:extLst>
           </p:cNvPr>
-          <p:cNvSpPr/>
+          <p:cNvSpPr>
+            <a:spLocks/>
+          </p:cNvSpPr>
           <p:nvPr/>
         </p:nvSpPr>
         <p:spPr>
@@ -1996,9 +1111,6 @@
           <a:lstStyle/>
           <a:p>
             <a:pPr marL="0" indent="0" algn="l">
-              <a:lnSpc>
-                <a:spcPts val="2850"/>
-              </a:lnSpc>
               <a:buNone/>
             </a:pPr>
             <a:r>
@@ -2006,13 +1118,15 @@
                 <a:solidFill>
                   <a:srgbClr val="E0D6DE"/>
                 </a:solidFill>
-                <a:ea typeface="Inter" pitchFamily="34" charset="-122"/>
-                <a:cs typeface="FUTURA MEDIUM" panose="020B0602020204020303" pitchFamily="34" charset="-79"/>
+                <a:latin typeface="Arial" panose="020B0604020202020204" pitchFamily="34" charset="0"/>
+                <a:ea typeface="Inter" pitchFamily="34" charset="-122"/>
+                <a:cs typeface="Arial" panose="020B0604020202020204" pitchFamily="34" charset="0"/>
               </a:rPr>
               <a:t>Platform</a:t>
             </a:r>
             <a:endParaRPr lang="en-US" sz="1750" dirty="0">
-              <a:cs typeface="Futura Medium" panose="020B0602020204020303" pitchFamily="34" charset="-79"/>
+              <a:latin typeface="Arial" panose="020B0604020202020204" pitchFamily="34" charset="0"/>
+              <a:cs typeface="Arial" panose="020B0604020202020204" pitchFamily="34" charset="0"/>
             </a:endParaRPr>
           </a:p>
         </p:txBody>
@@ -2047,9 +1161,6 @@
           <a:lstStyle/>
           <a:p>
             <a:pPr marL="0" indent="0" algn="l">
-              <a:lnSpc>
-                <a:spcPts val="2850"/>
-              </a:lnSpc>
               <a:buNone/>
             </a:pPr>
             <a:r>
@@ -2057,13 +1168,15 @@
                 <a:solidFill>
                   <a:srgbClr val="E0D6DE"/>
                 </a:solidFill>
-                <a:ea typeface="Inter" pitchFamily="34" charset="-122"/>
-                <a:cs typeface="FUTURA MEDIUM" panose="020B0602020204020303" pitchFamily="34" charset="-79"/>
+                <a:latin typeface="Arial" panose="020B0604020202020204" pitchFamily="34" charset="0"/>
+                <a:ea typeface="Inter" pitchFamily="34" charset="-122"/>
+                <a:cs typeface="Arial" panose="020B0604020202020204" pitchFamily="34" charset="0"/>
               </a:rPr>
               <a:t>YouTube</a:t>
             </a:r>
             <a:endParaRPr lang="en-US" sz="1750" dirty="0">
-              <a:cs typeface="Futura Medium" panose="020B0602020204020303" pitchFamily="34" charset="-79"/>
+              <a:latin typeface="Arial" panose="020B0604020202020204" pitchFamily="34" charset="0"/>
+              <a:cs typeface="Arial" panose="020B0604020202020204" pitchFamily="34" charset="0"/>
             </a:endParaRPr>
           </a:p>
         </p:txBody>
@@ -2098,9 +1211,6 @@
           <a:lstStyle/>
           <a:p>
             <a:pPr marL="0" indent="0" algn="l">
-              <a:lnSpc>
-                <a:spcPts val="2850"/>
-              </a:lnSpc>
               <a:buNone/>
             </a:pPr>
             <a:r>
@@ -2108,13 +1218,15 @@
                 <a:solidFill>
                   <a:srgbClr val="E0D6DE"/>
                 </a:solidFill>
-                <a:ea typeface="Inter" pitchFamily="34" charset="-122"/>
-                <a:cs typeface="FUTURA MEDIUM" panose="020B0602020204020303" pitchFamily="34" charset="-79"/>
+                <a:latin typeface="Arial" panose="020B0604020202020204" pitchFamily="34" charset="0"/>
+                <a:ea typeface="Inter" pitchFamily="34" charset="-122"/>
+                <a:cs typeface="Arial" panose="020B0604020202020204" pitchFamily="34" charset="0"/>
               </a:rPr>
               <a:t>Instagram</a:t>
             </a:r>
             <a:endParaRPr lang="en-US" sz="1750" dirty="0">
-              <a:cs typeface="Futura Medium" panose="020B0602020204020303" pitchFamily="34" charset="-79"/>
+              <a:latin typeface="Arial" panose="020B0604020202020204" pitchFamily="34" charset="0"/>
+              <a:cs typeface="Arial" panose="020B0604020202020204" pitchFamily="34" charset="0"/>
             </a:endParaRPr>
           </a:p>
         </p:txBody>
@@ -2149,9 +1261,6 @@
           <a:lstStyle/>
           <a:p>
             <a:pPr marL="0" indent="0" algn="l">
-              <a:lnSpc>
-                <a:spcPts val="2850"/>
-              </a:lnSpc>
               <a:buNone/>
             </a:pPr>
             <a:r>
@@ -2159,50 +1268,15 @@
                 <a:solidFill>
                   <a:srgbClr val="E0D6DE"/>
                 </a:solidFill>
-                <a:ea typeface="Inter" pitchFamily="34" charset="-122"/>
-                <a:cs typeface="FUTURA MEDIUM" panose="020B0602020204020303" pitchFamily="34" charset="-79"/>
+                <a:latin typeface="Arial" panose="020B0604020202020204" pitchFamily="34" charset="0"/>
+                <a:ea typeface="Inter" pitchFamily="34" charset="-122"/>
+                <a:cs typeface="Arial" panose="020B0604020202020204" pitchFamily="34" charset="0"/>
               </a:rPr>
               <a:t>TikTok</a:t>
             </a:r>
             <a:endParaRPr lang="en-US" sz="1750" dirty="0">
-              <a:cs typeface="Futura Medium" panose="020B0602020204020303" pitchFamily="34" charset="-79"/>
-            </a:endParaRPr>
-          </a:p>
-        </p:txBody>
-      </p:sp>
-      <p:sp>
-        <p:nvSpPr>
-          <p:cNvPr id="9" name="Shape 7">
-            <a:extLst>
-              <a:ext uri="{FF2B5EF4-FFF2-40B4-BE49-F238E27FC236}">
-                <a16:creationId xmlns:a16="http://schemas.microsoft.com/office/drawing/2014/main" id="{57F343DD-F159-D96E-906A-09764F73ABD3}"/>
-              </a:ext>
-            </a:extLst>
-          </p:cNvPr>
-          <p:cNvSpPr/>
-          <p:nvPr/>
-        </p:nvSpPr>
-        <p:spPr>
-          <a:xfrm>
-            <a:off x="793789" y="3189930"/>
-            <a:ext cx="13027581" cy="650319"/>
-          </a:xfrm>
-          <a:prstGeom prst="rect">
-            <a:avLst/>
-          </a:prstGeom>
-          <a:solidFill>
-            <a:srgbClr val="000000">
-              <a:alpha val="4000"/>
-            </a:srgbClr>
-          </a:solidFill>
-          <a:ln/>
-        </p:spPr>
-        <p:txBody>
-          <a:bodyPr/>
-          <a:lstStyle/>
-          <a:p>
-            <a:endParaRPr lang="en-ES" dirty="0">
-              <a:cs typeface="Futura Medium" panose="020B0602020204020303" pitchFamily="34" charset="-79"/>
+              <a:latin typeface="Arial" panose="020B0604020202020204" pitchFamily="34" charset="0"/>
+              <a:cs typeface="Arial" panose="020B0604020202020204" pitchFamily="34" charset="0"/>
             </a:endParaRPr>
           </a:p>
         </p:txBody>
@@ -2237,9 +1311,6 @@
           <a:lstStyle/>
           <a:p>
             <a:pPr marL="0" indent="0" algn="l">
-              <a:lnSpc>
-                <a:spcPts val="2850"/>
-              </a:lnSpc>
               <a:buNone/>
             </a:pPr>
             <a:r>
@@ -2247,13 +1318,15 @@
                 <a:solidFill>
                   <a:srgbClr val="E0D6DE"/>
                 </a:solidFill>
-                <a:ea typeface="Inter" pitchFamily="34" charset="-122"/>
-                <a:cs typeface="Futura Medium" panose="020B0602020204020303" pitchFamily="34" charset="-79"/>
+                <a:latin typeface="Arial" panose="020B0604020202020204" pitchFamily="34" charset="0"/>
+                <a:ea typeface="Inter" pitchFamily="34" charset="-122"/>
+                <a:cs typeface="Arial" panose="020B0604020202020204" pitchFamily="34" charset="0"/>
               </a:rPr>
               <a:t>Number of Posts</a:t>
             </a:r>
             <a:endParaRPr lang="en-US" sz="1750" dirty="0">
-              <a:cs typeface="Futura Medium" panose="020B0602020204020303" pitchFamily="34" charset="-79"/>
+              <a:latin typeface="Arial" panose="020B0604020202020204" pitchFamily="34" charset="0"/>
+              <a:cs typeface="Arial" panose="020B0604020202020204" pitchFamily="34" charset="0"/>
             </a:endParaRPr>
           </a:p>
         </p:txBody>
@@ -2295,8 +1368,9 @@
                 <a:solidFill>
                   <a:srgbClr val="E0D6DE"/>
                 </a:solidFill>
-                <a:ea typeface="Inter" pitchFamily="34" charset="-122"/>
-                <a:cs typeface="Futura Medium" panose="020B0602020204020303" pitchFamily="34" charset="-79"/>
+                <a:latin typeface="Arial" panose="020B0604020202020204" pitchFamily="34" charset="0"/>
+                <a:ea typeface="Inter" pitchFamily="34" charset="-122"/>
+                <a:cs typeface="Arial" panose="020B0604020202020204" pitchFamily="34" charset="0"/>
               </a:rPr>
               <a:t>{{</a:t>
             </a:r>
@@ -2305,8 +1379,9 @@
                 <a:solidFill>
                   <a:srgbClr val="E0D6DE"/>
                 </a:solidFill>
-                <a:ea typeface="Inter" pitchFamily="34" charset="-122"/>
-                <a:cs typeface="Futura Medium" panose="020B0602020204020303" pitchFamily="34" charset="-79"/>
+                <a:latin typeface="Arial" panose="020B0604020202020204" pitchFamily="34" charset="0"/>
+                <a:ea typeface="Inter" pitchFamily="34" charset="-122"/>
+                <a:cs typeface="Arial" panose="020B0604020202020204" pitchFamily="34" charset="0"/>
               </a:rPr>
               <a:t>yt_posts</a:t>
             </a:r>
@@ -2315,8 +1390,9 @@
                 <a:solidFill>
                   <a:srgbClr val="E0D6DE"/>
                 </a:solidFill>
-                <a:ea typeface="Inter" pitchFamily="34" charset="-122"/>
-                <a:cs typeface="Futura Medium" panose="020B0602020204020303" pitchFamily="34" charset="-79"/>
+                <a:latin typeface="Arial" panose="020B0604020202020204" pitchFamily="34" charset="0"/>
+                <a:ea typeface="Inter" pitchFamily="34" charset="-122"/>
+                <a:cs typeface="Arial" panose="020B0604020202020204" pitchFamily="34" charset="0"/>
               </a:rPr>
               <a:t>}}</a:t>
             </a:r>
@@ -2357,8 +1433,9 @@
                 <a:solidFill>
                   <a:srgbClr val="E0D6DE"/>
                 </a:solidFill>
-                <a:ea typeface="Inter" pitchFamily="34" charset="-122"/>
-                <a:cs typeface="Futura Medium" panose="020B0602020204020303" pitchFamily="34" charset="-79"/>
+                <a:latin typeface="Arial" panose="020B0604020202020204" pitchFamily="34" charset="0"/>
+                <a:ea typeface="Inter" pitchFamily="34" charset="-122"/>
+                <a:cs typeface="Arial" panose="020B0604020202020204" pitchFamily="34" charset="0"/>
               </a:rPr>
               <a:t>{{</a:t>
             </a:r>
@@ -2367,8 +1444,9 @@
                 <a:solidFill>
                   <a:srgbClr val="E0D6DE"/>
                 </a:solidFill>
-                <a:ea typeface="Inter" pitchFamily="34" charset="-122"/>
-                <a:cs typeface="Futura Medium" panose="020B0602020204020303" pitchFamily="34" charset="-79"/>
+                <a:latin typeface="Arial" panose="020B0604020202020204" pitchFamily="34" charset="0"/>
+                <a:ea typeface="Inter" pitchFamily="34" charset="-122"/>
+                <a:cs typeface="Arial" panose="020B0604020202020204" pitchFamily="34" charset="0"/>
               </a:rPr>
               <a:t>ig_posts</a:t>
             </a:r>
@@ -2377,8 +1455,9 @@
                 <a:solidFill>
                   <a:srgbClr val="E0D6DE"/>
                 </a:solidFill>
-                <a:ea typeface="Inter" pitchFamily="34" charset="-122"/>
-                <a:cs typeface="Futura Medium" panose="020B0602020204020303" pitchFamily="34" charset="-79"/>
+                <a:latin typeface="Arial" panose="020B0604020202020204" pitchFamily="34" charset="0"/>
+                <a:ea typeface="Inter" pitchFamily="34" charset="-122"/>
+                <a:cs typeface="Arial" panose="020B0604020202020204" pitchFamily="34" charset="0"/>
               </a:rPr>
               <a:t>}}</a:t>
             </a:r>
@@ -2419,8 +1498,9 @@
                 <a:solidFill>
                   <a:srgbClr val="E0D6DE"/>
                 </a:solidFill>
-                <a:ea typeface="Inter" pitchFamily="34" charset="-122"/>
-                <a:cs typeface="Futura Medium" panose="020B0602020204020303" pitchFamily="34" charset="-79"/>
+                <a:latin typeface="Arial" panose="020B0604020202020204" pitchFamily="34" charset="0"/>
+                <a:ea typeface="Inter" pitchFamily="34" charset="-122"/>
+                <a:cs typeface="Arial" panose="020B0604020202020204" pitchFamily="34" charset="0"/>
               </a:rPr>
               <a:t>{{</a:t>
             </a:r>
@@ -2429,8 +1509,9 @@
                 <a:solidFill>
                   <a:srgbClr val="E0D6DE"/>
                 </a:solidFill>
-                <a:ea typeface="Inter" pitchFamily="34" charset="-122"/>
-                <a:cs typeface="Futura Medium" panose="020B0602020204020303" pitchFamily="34" charset="-79"/>
+                <a:latin typeface="Arial" panose="020B0604020202020204" pitchFamily="34" charset="0"/>
+                <a:ea typeface="Inter" pitchFamily="34" charset="-122"/>
+                <a:cs typeface="Arial" panose="020B0604020202020204" pitchFamily="34" charset="0"/>
               </a:rPr>
               <a:t>tt_posts</a:t>
             </a:r>
@@ -2439,8 +1520,9 @@
                 <a:solidFill>
                   <a:srgbClr val="E0D6DE"/>
                 </a:solidFill>
-                <a:ea typeface="Inter" pitchFamily="34" charset="-122"/>
-                <a:cs typeface="Futura Medium" panose="020B0602020204020303" pitchFamily="34" charset="-79"/>
+                <a:latin typeface="Arial" panose="020B0604020202020204" pitchFamily="34" charset="0"/>
+                <a:ea typeface="Inter" pitchFamily="34" charset="-122"/>
+                <a:cs typeface="Arial" panose="020B0604020202020204" pitchFamily="34" charset="0"/>
               </a:rPr>
               <a:t>}}</a:t>
             </a:r>
@@ -2477,9 +1559,6 @@
           <a:lstStyle/>
           <a:p>
             <a:pPr marL="0" indent="0" algn="l">
-              <a:lnSpc>
-                <a:spcPts val="2850"/>
-              </a:lnSpc>
               <a:buNone/>
             </a:pPr>
             <a:r>
@@ -2487,13 +1566,15 @@
                 <a:solidFill>
                   <a:srgbClr val="E0D6DE"/>
                 </a:solidFill>
-                <a:ea typeface="Inter" pitchFamily="34" charset="-122"/>
-                <a:cs typeface="Futura Medium" panose="020B0602020204020303" pitchFamily="34" charset="-79"/>
+                <a:latin typeface="Arial" panose="020B0604020202020204" pitchFamily="34" charset="0"/>
+                <a:ea typeface="Inter" pitchFamily="34" charset="-122"/>
+                <a:cs typeface="Arial" panose="020B0604020202020204" pitchFamily="34" charset="0"/>
               </a:rPr>
               <a:t>Total Impressions</a:t>
             </a:r>
             <a:endParaRPr lang="en-US" sz="1750" dirty="0">
-              <a:cs typeface="Futura Medium" panose="020B0602020204020303" pitchFamily="34" charset="-79"/>
+              <a:latin typeface="Arial" panose="020B0604020202020204" pitchFamily="34" charset="0"/>
+              <a:cs typeface="Arial" panose="020B0604020202020204" pitchFamily="34" charset="0"/>
             </a:endParaRPr>
           </a:p>
         </p:txBody>
@@ -2532,8 +1613,9 @@
                 <a:solidFill>
                   <a:srgbClr val="E0D6DE"/>
                 </a:solidFill>
-                <a:ea typeface="Inter" pitchFamily="34" charset="-122"/>
-                <a:cs typeface="Futura Medium" panose="020B0602020204020303" pitchFamily="34" charset="-79"/>
+                <a:latin typeface="Arial" panose="020B0604020202020204" pitchFamily="34" charset="0"/>
+                <a:ea typeface="Inter" pitchFamily="34" charset="-122"/>
+                <a:cs typeface="Arial" panose="020B0604020202020204" pitchFamily="34" charset="0"/>
               </a:rPr>
               <a:t>{{</a:t>
             </a:r>
@@ -2542,8 +1624,9 @@
                 <a:solidFill>
                   <a:srgbClr val="E0D6DE"/>
                 </a:solidFill>
-                <a:ea typeface="Inter" pitchFamily="34" charset="-122"/>
-                <a:cs typeface="Futura Medium" panose="020B0602020204020303" pitchFamily="34" charset="-79"/>
+                <a:latin typeface="Arial" panose="020B0604020202020204" pitchFamily="34" charset="0"/>
+                <a:ea typeface="Inter" pitchFamily="34" charset="-122"/>
+                <a:cs typeface="Arial" panose="020B0604020202020204" pitchFamily="34" charset="0"/>
               </a:rPr>
               <a:t>yt_impressions</a:t>
             </a:r>
@@ -2552,8 +1635,9 @@
                 <a:solidFill>
                   <a:srgbClr val="E0D6DE"/>
                 </a:solidFill>
-                <a:ea typeface="Inter" pitchFamily="34" charset="-122"/>
-                <a:cs typeface="Futura Medium" panose="020B0602020204020303" pitchFamily="34" charset="-79"/>
+                <a:latin typeface="Arial" panose="020B0604020202020204" pitchFamily="34" charset="0"/>
+                <a:ea typeface="Inter" pitchFamily="34" charset="-122"/>
+                <a:cs typeface="Arial" panose="020B0604020202020204" pitchFamily="34" charset="0"/>
               </a:rPr>
               <a:t>}}</a:t>
             </a:r>
@@ -2594,8 +1678,9 @@
                 <a:solidFill>
                   <a:srgbClr val="E0D6DE"/>
                 </a:solidFill>
-                <a:ea typeface="Inter" pitchFamily="34" charset="-122"/>
-                <a:cs typeface="Futura Medium" panose="020B0602020204020303" pitchFamily="34" charset="-79"/>
+                <a:latin typeface="Arial" panose="020B0604020202020204" pitchFamily="34" charset="0"/>
+                <a:ea typeface="Inter" pitchFamily="34" charset="-122"/>
+                <a:cs typeface="Arial" panose="020B0604020202020204" pitchFamily="34" charset="0"/>
               </a:rPr>
               <a:t>{{</a:t>
             </a:r>
@@ -2604,8 +1689,9 @@
                 <a:solidFill>
                   <a:srgbClr val="E0D6DE"/>
                 </a:solidFill>
-                <a:ea typeface="Inter" pitchFamily="34" charset="-122"/>
-                <a:cs typeface="Futura Medium" panose="020B0602020204020303" pitchFamily="34" charset="-79"/>
+                <a:latin typeface="Arial" panose="020B0604020202020204" pitchFamily="34" charset="0"/>
+                <a:ea typeface="Inter" pitchFamily="34" charset="-122"/>
+                <a:cs typeface="Arial" panose="020B0604020202020204" pitchFamily="34" charset="0"/>
               </a:rPr>
               <a:t>ig_impressions</a:t>
             </a:r>
@@ -2614,8 +1700,9 @@
                 <a:solidFill>
                   <a:srgbClr val="E0D6DE"/>
                 </a:solidFill>
-                <a:ea typeface="Inter" pitchFamily="34" charset="-122"/>
-                <a:cs typeface="Futura Medium" panose="020B0602020204020303" pitchFamily="34" charset="-79"/>
+                <a:latin typeface="Arial" panose="020B0604020202020204" pitchFamily="34" charset="0"/>
+                <a:ea typeface="Inter" pitchFamily="34" charset="-122"/>
+                <a:cs typeface="Arial" panose="020B0604020202020204" pitchFamily="34" charset="0"/>
               </a:rPr>
               <a:t>}}</a:t>
             </a:r>
@@ -2656,8 +1743,9 @@
                 <a:solidFill>
                   <a:srgbClr val="E0D6DE"/>
                 </a:solidFill>
-                <a:ea typeface="Inter" pitchFamily="34" charset="-122"/>
-                <a:cs typeface="Futura Medium" panose="020B0602020204020303" pitchFamily="34" charset="-79"/>
+                <a:latin typeface="Arial" panose="020B0604020202020204" pitchFamily="34" charset="0"/>
+                <a:ea typeface="Inter" pitchFamily="34" charset="-122"/>
+                <a:cs typeface="Arial" panose="020B0604020202020204" pitchFamily="34" charset="0"/>
               </a:rPr>
               <a:t>{{</a:t>
             </a:r>
@@ -2666,8 +1754,9 @@
                 <a:solidFill>
                   <a:srgbClr val="E0D6DE"/>
                 </a:solidFill>
-                <a:ea typeface="Inter" pitchFamily="34" charset="-122"/>
-                <a:cs typeface="Futura Medium" panose="020B0602020204020303" pitchFamily="34" charset="-79"/>
+                <a:latin typeface="Arial" panose="020B0604020202020204" pitchFamily="34" charset="0"/>
+                <a:ea typeface="Inter" pitchFamily="34" charset="-122"/>
+                <a:cs typeface="Arial" panose="020B0604020202020204" pitchFamily="34" charset="0"/>
               </a:rPr>
               <a:t>tt_impressions</a:t>
             </a:r>
@@ -2676,35 +1765,14 @@
                 <a:solidFill>
                   <a:srgbClr val="E0D6DE"/>
                 </a:solidFill>
-                <a:ea typeface="Inter" pitchFamily="34" charset="-122"/>
-                <a:cs typeface="Futura Medium" panose="020B0602020204020303" pitchFamily="34" charset="-79"/>
+                <a:latin typeface="Arial" panose="020B0604020202020204" pitchFamily="34" charset="0"/>
+                <a:ea typeface="Inter" pitchFamily="34" charset="-122"/>
+                <a:cs typeface="Arial" panose="020B0604020202020204" pitchFamily="34" charset="0"/>
               </a:rPr>
               <a:t>}}</a:t>
             </a:r>
           </a:p>
         </p:txBody>
-      </p:sp>
-      <p:sp>
-        <p:nvSpPr>
-          <p:cNvPr id="19" name="Shape 17">
-            <a:extLst>
-              <a:ext uri="{FF2B5EF4-FFF2-40B4-BE49-F238E27FC236}">
-                <a16:creationId xmlns:a16="http://schemas.microsoft.com/office/drawing/2014/main" id="{659C16AD-B9C2-FB9F-6879-AEFF075ECCB3}"/>
-              </a:ext>
-            </a:extLst>
-          </p:cNvPr>
-          <p:cNvSpPr/>
-          <p:nvPr/>
-        </p:nvSpPr>
-        <p:spPr>
-          <a:xfrm>
-            <a:off x="801410" y="4532233"/>
-            <a:ext cx="13027581" cy="650319"/>
-          </a:xfrm>
-          <a:prstGeom prst="rect">
-            <a:avLst/>
-          </a:prstGeom>
-        </p:spPr>
       </p:sp>
       <p:sp>
         <p:nvSpPr>
@@ -2736,9 +1804,6 @@
           <a:lstStyle/>
           <a:p>
             <a:pPr marL="0" indent="0" algn="l">
-              <a:lnSpc>
-                <a:spcPts val="2850"/>
-              </a:lnSpc>
               <a:buNone/>
             </a:pPr>
             <a:r>
@@ -2746,13 +1811,15 @@
                 <a:solidFill>
                   <a:srgbClr val="E0D6DE"/>
                 </a:solidFill>
-                <a:ea typeface="Inter" pitchFamily="34" charset="-122"/>
-                <a:cs typeface="Futura Medium" panose="020B0602020204020303" pitchFamily="34" charset="-79"/>
+                <a:latin typeface="Arial" panose="020B0604020202020204" pitchFamily="34" charset="0"/>
+                <a:ea typeface="Inter" pitchFamily="34" charset="-122"/>
+                <a:cs typeface="Arial" panose="020B0604020202020204" pitchFamily="34" charset="0"/>
               </a:rPr>
               <a:t>Unique Reach</a:t>
             </a:r>
             <a:endParaRPr lang="en-US" sz="1750" dirty="0">
-              <a:cs typeface="Futura Medium" panose="020B0602020204020303" pitchFamily="34" charset="-79"/>
+              <a:latin typeface="Arial" panose="020B0604020202020204" pitchFamily="34" charset="0"/>
+              <a:cs typeface="Arial" panose="020B0604020202020204" pitchFamily="34" charset="0"/>
             </a:endParaRPr>
           </a:p>
         </p:txBody>
@@ -2791,8 +1858,9 @@
                 <a:solidFill>
                   <a:srgbClr val="E0D6DE"/>
                 </a:solidFill>
-                <a:ea typeface="Inter" pitchFamily="34" charset="-122"/>
-                <a:cs typeface="Futura Medium" panose="020B0602020204020303" pitchFamily="34" charset="-79"/>
+                <a:latin typeface="Arial" panose="020B0604020202020204" pitchFamily="34" charset="0"/>
+                <a:ea typeface="Inter" pitchFamily="34" charset="-122"/>
+                <a:cs typeface="Arial" panose="020B0604020202020204" pitchFamily="34" charset="0"/>
               </a:rPr>
               <a:t>{{</a:t>
             </a:r>
@@ -2801,8 +1869,9 @@
                 <a:solidFill>
                   <a:srgbClr val="E0D6DE"/>
                 </a:solidFill>
-                <a:ea typeface="Inter" pitchFamily="34" charset="-122"/>
-                <a:cs typeface="Futura Medium" panose="020B0602020204020303" pitchFamily="34" charset="-79"/>
+                <a:latin typeface="Arial" panose="020B0604020202020204" pitchFamily="34" charset="0"/>
+                <a:ea typeface="Inter" pitchFamily="34" charset="-122"/>
+                <a:cs typeface="Arial" panose="020B0604020202020204" pitchFamily="34" charset="0"/>
               </a:rPr>
               <a:t>yt_reach</a:t>
             </a:r>
@@ -2811,8 +1880,9 @@
                 <a:solidFill>
                   <a:srgbClr val="E0D6DE"/>
                 </a:solidFill>
-                <a:ea typeface="Inter" pitchFamily="34" charset="-122"/>
-                <a:cs typeface="Futura Medium" panose="020B0602020204020303" pitchFamily="34" charset="-79"/>
+                <a:latin typeface="Arial" panose="020B0604020202020204" pitchFamily="34" charset="0"/>
+                <a:ea typeface="Inter" pitchFamily="34" charset="-122"/>
+                <a:cs typeface="Arial" panose="020B0604020202020204" pitchFamily="34" charset="0"/>
               </a:rPr>
               <a:t>}}</a:t>
             </a:r>
@@ -2853,8 +1923,9 @@
                 <a:solidFill>
                   <a:srgbClr val="E0D6DE"/>
                 </a:solidFill>
-                <a:ea typeface="Inter" pitchFamily="34" charset="-122"/>
-                <a:cs typeface="Futura Medium" panose="020B0602020204020303" pitchFamily="34" charset="-79"/>
+                <a:latin typeface="Arial" panose="020B0604020202020204" pitchFamily="34" charset="0"/>
+                <a:ea typeface="Inter" pitchFamily="34" charset="-122"/>
+                <a:cs typeface="Arial" panose="020B0604020202020204" pitchFamily="34" charset="0"/>
               </a:rPr>
               <a:t>{{</a:t>
             </a:r>
@@ -2863,8 +1934,9 @@
                 <a:solidFill>
                   <a:srgbClr val="E0D6DE"/>
                 </a:solidFill>
-                <a:ea typeface="Inter" pitchFamily="34" charset="-122"/>
-                <a:cs typeface="Futura Medium" panose="020B0602020204020303" pitchFamily="34" charset="-79"/>
+                <a:latin typeface="Arial" panose="020B0604020202020204" pitchFamily="34" charset="0"/>
+                <a:ea typeface="Inter" pitchFamily="34" charset="-122"/>
+                <a:cs typeface="Arial" panose="020B0604020202020204" pitchFamily="34" charset="0"/>
               </a:rPr>
               <a:t>ig_reach</a:t>
             </a:r>
@@ -2873,8 +1945,9 @@
                 <a:solidFill>
                   <a:srgbClr val="E0D6DE"/>
                 </a:solidFill>
-                <a:ea typeface="Inter" pitchFamily="34" charset="-122"/>
-                <a:cs typeface="Futura Medium" panose="020B0602020204020303" pitchFamily="34" charset="-79"/>
+                <a:latin typeface="Arial" panose="020B0604020202020204" pitchFamily="34" charset="0"/>
+                <a:ea typeface="Inter" pitchFamily="34" charset="-122"/>
+                <a:cs typeface="Arial" panose="020B0604020202020204" pitchFamily="34" charset="0"/>
               </a:rPr>
               <a:t>}}</a:t>
             </a:r>
@@ -2915,8 +1988,9 @@
                 <a:solidFill>
                   <a:srgbClr val="E0D6DE"/>
                 </a:solidFill>
-                <a:ea typeface="Inter" pitchFamily="34" charset="-122"/>
-                <a:cs typeface="Futura Medium" panose="020B0602020204020303" pitchFamily="34" charset="-79"/>
+                <a:latin typeface="Arial" panose="020B0604020202020204" pitchFamily="34" charset="0"/>
+                <a:ea typeface="Inter" pitchFamily="34" charset="-122"/>
+                <a:cs typeface="Arial" panose="020B0604020202020204" pitchFamily="34" charset="0"/>
               </a:rPr>
               <a:t>{{</a:t>
             </a:r>
@@ -2925,8 +1999,9 @@
                 <a:solidFill>
                   <a:srgbClr val="E0D6DE"/>
                 </a:solidFill>
-                <a:ea typeface="Inter" pitchFamily="34" charset="-122"/>
-                <a:cs typeface="Futura Medium" panose="020B0602020204020303" pitchFamily="34" charset="-79"/>
+                <a:latin typeface="Arial" panose="020B0604020202020204" pitchFamily="34" charset="0"/>
+                <a:ea typeface="Inter" pitchFamily="34" charset="-122"/>
+                <a:cs typeface="Arial" panose="020B0604020202020204" pitchFamily="34" charset="0"/>
               </a:rPr>
               <a:t>tt_reach</a:t>
             </a:r>
@@ -2935,8 +2010,9 @@
                 <a:solidFill>
                   <a:srgbClr val="E0D6DE"/>
                 </a:solidFill>
-                <a:ea typeface="Inter" pitchFamily="34" charset="-122"/>
-                <a:cs typeface="Futura Medium" panose="020B0602020204020303" pitchFamily="34" charset="-79"/>
+                <a:latin typeface="Arial" panose="020B0604020202020204" pitchFamily="34" charset="0"/>
+                <a:ea typeface="Inter" pitchFamily="34" charset="-122"/>
+                <a:cs typeface="Arial" panose="020B0604020202020204" pitchFamily="34" charset="0"/>
               </a:rPr>
               <a:t>}}</a:t>
             </a:r>
@@ -2973,9 +2049,6 @@
           <a:lstStyle/>
           <a:p>
             <a:pPr marL="0" indent="0" algn="l">
-              <a:lnSpc>
-                <a:spcPts val="2850"/>
-              </a:lnSpc>
               <a:buNone/>
             </a:pPr>
             <a:r>
@@ -2983,13 +2056,15 @@
                 <a:solidFill>
                   <a:srgbClr val="E0D6DE"/>
                 </a:solidFill>
-                <a:ea typeface="Inter" pitchFamily="34" charset="-122"/>
-                <a:cs typeface="Futura Medium" panose="020B0602020204020303" pitchFamily="34" charset="-79"/>
+                <a:latin typeface="Arial" panose="020B0604020202020204" pitchFamily="34" charset="0"/>
+                <a:ea typeface="Inter" pitchFamily="34" charset="-122"/>
+                <a:cs typeface="Arial" panose="020B0604020202020204" pitchFamily="34" charset="0"/>
               </a:rPr>
               <a:t>Total Likes &amp; Comments</a:t>
             </a:r>
             <a:endParaRPr lang="en-US" sz="1750" dirty="0">
-              <a:cs typeface="Futura Medium" panose="020B0602020204020303" pitchFamily="34" charset="-79"/>
+              <a:latin typeface="Arial" panose="020B0604020202020204" pitchFamily="34" charset="0"/>
+              <a:cs typeface="Arial" panose="020B0604020202020204" pitchFamily="34" charset="0"/>
             </a:endParaRPr>
           </a:p>
         </p:txBody>
@@ -3028,8 +2103,9 @@
                 <a:solidFill>
                   <a:srgbClr val="E0D6DE"/>
                 </a:solidFill>
-                <a:ea typeface="Inter" pitchFamily="34" charset="-122"/>
-                <a:cs typeface="Futura Medium" panose="020B0602020204020303" pitchFamily="34" charset="-79"/>
+                <a:latin typeface="Arial" panose="020B0604020202020204" pitchFamily="34" charset="0"/>
+                <a:ea typeface="Inter" pitchFamily="34" charset="-122"/>
+                <a:cs typeface="Arial" panose="020B0604020202020204" pitchFamily="34" charset="0"/>
               </a:rPr>
               <a:t>{{</a:t>
             </a:r>
@@ -3038,8 +2114,9 @@
                 <a:solidFill>
                   <a:srgbClr val="E0D6DE"/>
                 </a:solidFill>
-                <a:ea typeface="Inter" pitchFamily="34" charset="-122"/>
-                <a:cs typeface="Futura Medium" panose="020B0602020204020303" pitchFamily="34" charset="-79"/>
+                <a:latin typeface="Arial" panose="020B0604020202020204" pitchFamily="34" charset="0"/>
+                <a:ea typeface="Inter" pitchFamily="34" charset="-122"/>
+                <a:cs typeface="Arial" panose="020B0604020202020204" pitchFamily="34" charset="0"/>
               </a:rPr>
               <a:t>yt_likes_comments</a:t>
             </a:r>
@@ -3048,8 +2125,9 @@
                 <a:solidFill>
                   <a:srgbClr val="E0D6DE"/>
                 </a:solidFill>
-                <a:ea typeface="Inter" pitchFamily="34" charset="-122"/>
-                <a:cs typeface="Futura Medium" panose="020B0602020204020303" pitchFamily="34" charset="-79"/>
+                <a:latin typeface="Arial" panose="020B0604020202020204" pitchFamily="34" charset="0"/>
+                <a:ea typeface="Inter" pitchFamily="34" charset="-122"/>
+                <a:cs typeface="Arial" panose="020B0604020202020204" pitchFamily="34" charset="0"/>
               </a:rPr>
               <a:t>}}</a:t>
             </a:r>
@@ -3090,8 +2168,9 @@
                 <a:solidFill>
                   <a:srgbClr val="E0D6DE"/>
                 </a:solidFill>
-                <a:ea typeface="Inter" pitchFamily="34" charset="-122"/>
-                <a:cs typeface="Futura Medium" panose="020B0602020204020303" pitchFamily="34" charset="-79"/>
+                <a:latin typeface="Arial" panose="020B0604020202020204" pitchFamily="34" charset="0"/>
+                <a:ea typeface="Inter" pitchFamily="34" charset="-122"/>
+                <a:cs typeface="Arial" panose="020B0604020202020204" pitchFamily="34" charset="0"/>
               </a:rPr>
               <a:t>{{</a:t>
             </a:r>
@@ -3100,8 +2179,9 @@
                 <a:solidFill>
                   <a:srgbClr val="E0D6DE"/>
                 </a:solidFill>
-                <a:ea typeface="Inter" pitchFamily="34" charset="-122"/>
-                <a:cs typeface="Futura Medium" panose="020B0602020204020303" pitchFamily="34" charset="-79"/>
+                <a:latin typeface="Arial" panose="020B0604020202020204" pitchFamily="34" charset="0"/>
+                <a:ea typeface="Inter" pitchFamily="34" charset="-122"/>
+                <a:cs typeface="Arial" panose="020B0604020202020204" pitchFamily="34" charset="0"/>
               </a:rPr>
               <a:t>ig_likes_comments</a:t>
             </a:r>
@@ -3110,8 +2190,9 @@
                 <a:solidFill>
                   <a:srgbClr val="E0D6DE"/>
                 </a:solidFill>
-                <a:ea typeface="Inter" pitchFamily="34" charset="-122"/>
-                <a:cs typeface="Futura Medium" panose="020B0602020204020303" pitchFamily="34" charset="-79"/>
+                <a:latin typeface="Arial" panose="020B0604020202020204" pitchFamily="34" charset="0"/>
+                <a:ea typeface="Inter" pitchFamily="34" charset="-122"/>
+                <a:cs typeface="Arial" panose="020B0604020202020204" pitchFamily="34" charset="0"/>
               </a:rPr>
               <a:t>}}</a:t>
             </a:r>
@@ -3152,8 +2233,9 @@
                 <a:solidFill>
                   <a:srgbClr val="E0D6DE"/>
                 </a:solidFill>
-                <a:ea typeface="Inter" pitchFamily="34" charset="-122"/>
-                <a:cs typeface="Futura Medium" panose="020B0602020204020303" pitchFamily="34" charset="-79"/>
+                <a:latin typeface="Arial" panose="020B0604020202020204" pitchFamily="34" charset="0"/>
+                <a:ea typeface="Inter" pitchFamily="34" charset="-122"/>
+                <a:cs typeface="Arial" panose="020B0604020202020204" pitchFamily="34" charset="0"/>
               </a:rPr>
               <a:t>{{</a:t>
             </a:r>
@@ -3162,8 +2244,9 @@
                 <a:solidFill>
                   <a:srgbClr val="E0D6DE"/>
                 </a:solidFill>
-                <a:ea typeface="Inter" pitchFamily="34" charset="-122"/>
-                <a:cs typeface="Futura Medium" panose="020B0602020204020303" pitchFamily="34" charset="-79"/>
+                <a:latin typeface="Arial" panose="020B0604020202020204" pitchFamily="34" charset="0"/>
+                <a:ea typeface="Inter" pitchFamily="34" charset="-122"/>
+                <a:cs typeface="Arial" panose="020B0604020202020204" pitchFamily="34" charset="0"/>
               </a:rPr>
               <a:t>tt_likes_comments</a:t>
             </a:r>
@@ -3172,8 +2255,9 @@
                 <a:solidFill>
                   <a:srgbClr val="E0D6DE"/>
                 </a:solidFill>
-                <a:ea typeface="Inter" pitchFamily="34" charset="-122"/>
-                <a:cs typeface="Futura Medium" panose="020B0602020204020303" pitchFamily="34" charset="-79"/>
+                <a:latin typeface="Arial" panose="020B0604020202020204" pitchFamily="34" charset="0"/>
+                <a:ea typeface="Inter" pitchFamily="34" charset="-122"/>
+                <a:cs typeface="Arial" panose="020B0604020202020204" pitchFamily="34" charset="0"/>
               </a:rPr>
               <a:t>}}</a:t>
             </a:r>
@@ -3210,9 +2294,6 @@
           <a:lstStyle/>
           <a:p>
             <a:pPr marL="0" indent="0" algn="l">
-              <a:lnSpc>
-                <a:spcPts val="2850"/>
-              </a:lnSpc>
               <a:buNone/>
             </a:pPr>
             <a:r>
@@ -3220,13 +2301,15 @@
                 <a:solidFill>
                   <a:srgbClr val="E0D6DE"/>
                 </a:solidFill>
-                <a:ea typeface="Inter" pitchFamily="34" charset="-122"/>
-                <a:cs typeface="FUTURA MEDIUM" panose="020B0602020204020303" pitchFamily="34" charset="-79"/>
+                <a:latin typeface="Arial" panose="020B0604020202020204" pitchFamily="34" charset="0"/>
+                <a:ea typeface="Inter" pitchFamily="34" charset="-122"/>
+                <a:cs typeface="Arial" panose="020B0604020202020204" pitchFamily="34" charset="0"/>
               </a:rPr>
               <a:t>Average Engagement Rate</a:t>
             </a:r>
             <a:endParaRPr lang="en-US" sz="1750" dirty="0">
-              <a:cs typeface="Futura Medium" panose="020B0602020204020303" pitchFamily="34" charset="-79"/>
+              <a:latin typeface="Arial" panose="020B0604020202020204" pitchFamily="34" charset="0"/>
+              <a:cs typeface="Arial" panose="020B0604020202020204" pitchFamily="34" charset="0"/>
             </a:endParaRPr>
           </a:p>
         </p:txBody>
@@ -3265,8 +2348,9 @@
                 <a:solidFill>
                   <a:srgbClr val="FF8AAF"/>
                 </a:solidFill>
+                <a:latin typeface="Arial" panose="020B0604020202020204" pitchFamily="34" charset="0"/>
                 <a:ea typeface="Petrona Bold" pitchFamily="34" charset="-122"/>
-                <a:cs typeface="FUTURA MEDIUM" panose="020B0602020204020303" pitchFamily="34" charset="-79"/>
+                <a:cs typeface="Arial" panose="020B0604020202020204" pitchFamily="34" charset="0"/>
               </a:rPr>
               <a:t>{{</a:t>
             </a:r>
@@ -3275,8 +2359,9 @@
                 <a:solidFill>
                   <a:srgbClr val="FF8AAF"/>
                 </a:solidFill>
+                <a:latin typeface="Arial" panose="020B0604020202020204" pitchFamily="34" charset="0"/>
                 <a:ea typeface="Petrona Bold" pitchFamily="34" charset="-122"/>
-                <a:cs typeface="FUTURA MEDIUM" panose="020B0602020204020303" pitchFamily="34" charset="-79"/>
+                <a:cs typeface="Arial" panose="020B0604020202020204" pitchFamily="34" charset="0"/>
               </a:rPr>
               <a:t>yt_eng_rate</a:t>
             </a:r>
@@ -3285,8 +2370,9 @@
                 <a:solidFill>
                   <a:srgbClr val="FF8AAF"/>
                 </a:solidFill>
+                <a:latin typeface="Arial" panose="020B0604020202020204" pitchFamily="34" charset="0"/>
                 <a:ea typeface="Petrona Bold" pitchFamily="34" charset="-122"/>
-                <a:cs typeface="FUTURA MEDIUM" panose="020B0602020204020303" pitchFamily="34" charset="-79"/>
+                <a:cs typeface="Arial" panose="020B0604020202020204" pitchFamily="34" charset="0"/>
               </a:rPr>
               <a:t>}}</a:t>
             </a:r>
@@ -3327,8 +2413,9 @@
                 <a:solidFill>
                   <a:srgbClr val="FF8AAF"/>
                 </a:solidFill>
+                <a:latin typeface="Arial" panose="020B0604020202020204" pitchFamily="34" charset="0"/>
                 <a:ea typeface="Petrona Bold" pitchFamily="34" charset="-122"/>
-                <a:cs typeface="FUTURA MEDIUM" panose="020B0602020204020303" pitchFamily="34" charset="-79"/>
+                <a:cs typeface="Arial" panose="020B0604020202020204" pitchFamily="34" charset="0"/>
               </a:rPr>
               <a:t>{{</a:t>
             </a:r>
@@ -3337,8 +2424,9 @@
                 <a:solidFill>
                   <a:srgbClr val="FF8AAF"/>
                 </a:solidFill>
+                <a:latin typeface="Arial" panose="020B0604020202020204" pitchFamily="34" charset="0"/>
                 <a:ea typeface="Petrona Bold" pitchFamily="34" charset="-122"/>
-                <a:cs typeface="FUTURA MEDIUM" panose="020B0602020204020303" pitchFamily="34" charset="-79"/>
+                <a:cs typeface="Arial" panose="020B0604020202020204" pitchFamily="34" charset="0"/>
               </a:rPr>
               <a:t>ig_eng_rate</a:t>
             </a:r>
@@ -3347,8 +2435,9 @@
                 <a:solidFill>
                   <a:srgbClr val="FF8AAF"/>
                 </a:solidFill>
+                <a:latin typeface="Arial" panose="020B0604020202020204" pitchFamily="34" charset="0"/>
                 <a:ea typeface="Petrona Bold" pitchFamily="34" charset="-122"/>
-                <a:cs typeface="FUTURA MEDIUM" panose="020B0602020204020303" pitchFamily="34" charset="-79"/>
+                <a:cs typeface="Arial" panose="020B0604020202020204" pitchFamily="34" charset="0"/>
               </a:rPr>
               <a:t>}}</a:t>
             </a:r>
@@ -3389,8 +2478,9 @@
                 <a:solidFill>
                   <a:srgbClr val="FF8AAF"/>
                 </a:solidFill>
+                <a:latin typeface="Arial" panose="020B0604020202020204" pitchFamily="34" charset="0"/>
                 <a:ea typeface="Petrona Bold" pitchFamily="34" charset="-122"/>
-                <a:cs typeface="FUTURA MEDIUM" panose="020B0602020204020303" pitchFamily="34" charset="-79"/>
+                <a:cs typeface="Arial" panose="020B0604020202020204" pitchFamily="34" charset="0"/>
               </a:rPr>
               <a:t>{{</a:t>
             </a:r>
@@ -3399,8 +2489,9 @@
                 <a:solidFill>
                   <a:srgbClr val="FF8AAF"/>
                 </a:solidFill>
+                <a:latin typeface="Arial" panose="020B0604020202020204" pitchFamily="34" charset="0"/>
                 <a:ea typeface="Petrona Bold" pitchFamily="34" charset="-122"/>
-                <a:cs typeface="FUTURA MEDIUM" panose="020B0602020204020303" pitchFamily="34" charset="-79"/>
+                <a:cs typeface="Arial" panose="020B0604020202020204" pitchFamily="34" charset="0"/>
               </a:rPr>
               <a:t>tt_eng_rate</a:t>
             </a:r>
@@ -3409,8 +2500,9 @@
                 <a:solidFill>
                   <a:srgbClr val="FF8AAF"/>
                 </a:solidFill>
+                <a:latin typeface="Arial" panose="020B0604020202020204" pitchFamily="34" charset="0"/>
                 <a:ea typeface="Petrona Bold" pitchFamily="34" charset="-122"/>
-                <a:cs typeface="FUTURA MEDIUM" panose="020B0602020204020303" pitchFamily="34" charset="-79"/>
+                <a:cs typeface="Arial" panose="020B0604020202020204" pitchFamily="34" charset="0"/>
               </a:rPr>
               <a:t>}}</a:t>
             </a:r>
@@ -3439,7 +2531,7 @@
         </p:blipFill>
         <p:spPr>
           <a:xfrm>
-            <a:off x="8784974" y="2732618"/>
+            <a:off x="8626212" y="2709943"/>
             <a:ext cx="317525" cy="317525"/>
           </a:xfrm>
           <a:prstGeom prst="rect">
@@ -3475,7 +2567,7 @@
         </p:blipFill>
         <p:spPr>
           <a:xfrm>
-            <a:off x="5297514" y="2770346"/>
+            <a:off x="5256257" y="2724983"/>
             <a:ext cx="430645" cy="302485"/>
           </a:xfrm>
           <a:prstGeom prst="rect">
@@ -3505,7 +2597,7 @@
         </p:blipFill>
         <p:spPr>
           <a:xfrm>
-            <a:off x="11580562" y="2648104"/>
+            <a:off x="11523412" y="2570009"/>
             <a:ext cx="516662" cy="516662"/>
           </a:xfrm>
           <a:prstGeom prst="rect">
@@ -3513,6 +2605,41 @@
           </a:prstGeom>
         </p:spPr>
       </p:pic>
+      <p:sp>
+        <p:nvSpPr>
+          <p:cNvPr id="4" name="Shape 1">
+            <a:extLst>
+              <a:ext uri="{FF2B5EF4-FFF2-40B4-BE49-F238E27FC236}">
+                <a16:creationId xmlns:a16="http://schemas.microsoft.com/office/drawing/2014/main" id="{4B7B19EC-4243-55D9-9745-46B950570439}"/>
+              </a:ext>
+            </a:extLst>
+          </p:cNvPr>
+          <p:cNvSpPr>
+            <a:spLocks/>
+          </p:cNvSpPr>
+          <p:nvPr/>
+        </p:nvSpPr>
+        <p:spPr>
+          <a:xfrm>
+            <a:off x="793789" y="2573655"/>
+            <a:ext cx="13042821" cy="626745"/>
+          </a:xfrm>
+          <a:prstGeom prst="roundRect">
+            <a:avLst>
+              <a:gd name="adj" fmla="val 2226"/>
+            </a:avLst>
+          </a:prstGeom>
+          <a:noFill/>
+          <a:ln w="7620">
+            <a:solidFill>
+              <a:srgbClr val="FFFFFF">
+                <a:alpha val="24000"/>
+              </a:srgbClr>
+            </a:solidFill>
+            <a:prstDash val="solid"/>
+          </a:ln>
+        </p:spPr>
+      </p:sp>
     </p:spTree>
     <p:extLst>
       <p:ext uri="{BB962C8B-B14F-4D97-AF65-F5344CB8AC3E}">
